--- a/media/2017-DOE/ESGF Publication, Registration, Tracking-Feedback Notification Final.pptx
+++ b/media/2017-DOE/ESGF Publication, Registration, Tracking-Feedback Notification Final.pptx
@@ -7723,7 +7723,7 @@
           <a:lstStyle/>
           <a:p>
             <a:r>
-              <a:rPr lang="en-US" b="1" dirty="0"/>
+              <a:rPr lang="en-US" dirty="0"/>
               <a:t>Alexander “Sasha” Ames, Ph.D.</a:t>
             </a:r>
           </a:p>
@@ -7950,7 +7950,7 @@
           <p:nvPr>
             <p:extLst>
               <p:ext uri="{D42A27DB-BD31-4B8C-83A1-F6EECF244321}">
-                <p14:modId xmlns:p14="http://schemas.microsoft.com/office/powerpoint/2010/main" val="1034407229"/>
+                <p14:modId xmlns:p14="http://schemas.microsoft.com/office/powerpoint/2010/main" val="1289075764"/>
               </p:ext>
             </p:extLst>
           </p:nvPr>
@@ -9736,12 +9736,12 @@
                         </a:spcAft>
                       </a:pPr>
                       <a:r>
-                        <a:rPr lang="en-US" sz="1200">
+                        <a:rPr lang="en-US" sz="1200" dirty="0">
                           <a:effectLst/>
                         </a:rPr>
                         <a:t>1.8</a:t>
                       </a:r>
-                      <a:endParaRPr lang="en-US" sz="1100">
+                      <a:endParaRPr lang="en-US" sz="1100" dirty="0">
                         <a:effectLst/>
                         <a:latin typeface="Times New Roman" panose="02020603050405020304" pitchFamily="18" charset="0"/>
                         <a:ea typeface="Times New Roman" panose="02020603050405020304" pitchFamily="18" charset="0"/>
@@ -9783,9 +9783,7 @@
                       <a:prstDash val="solid"/>
                     </a:lnBlToTr>
                     <a:solidFill>
-                      <a:schemeClr val="bg1">
-                        <a:lumMod val="85000"/>
-                      </a:schemeClr>
+                      <a:srgbClr val="FFFF00"/>
                     </a:solidFill>
                   </a:tcPr>
                 </a:tc>
@@ -9860,9 +9858,7 @@
                       <a:prstDash val="solid"/>
                     </a:lnBlToTr>
                     <a:solidFill>
-                      <a:schemeClr val="bg1">
-                        <a:lumMod val="85000"/>
-                      </a:schemeClr>
+                      <a:srgbClr val="FFFF00"/>
                     </a:solidFill>
                   </a:tcPr>
                 </a:tc>
@@ -14006,15 +14002,27 @@
             <a:pPr lvl="1"/>
             <a:r>
               <a:rPr lang="en-US" dirty="0"/>
-              <a:t>Publication uses the “</a:t>
-            </a:r>
-            <a:r>
-              <a:rPr lang="en-US" b="1" dirty="0"/>
+              <a:t>Publication uses </a:t>
+            </a:r>
+            <a:r>
+              <a:rPr lang="en-US" dirty="0" smtClean="0"/>
+              <a:t>“</a:t>
+            </a:r>
+            <a:r>
+              <a:rPr lang="en-US" b="1" dirty="0" smtClean="0"/>
               <a:t>project</a:t>
             </a:r>
             <a:r>
               <a:rPr lang="en-US" dirty="0"/>
-              <a:t>” concept of organizing data with a common set of requirements, such as </a:t>
+              <a:t>” concept of organizing </a:t>
+            </a:r>
+            <a:r>
+              <a:rPr lang="en-US" dirty="0" smtClean="0"/>
+              <a:t>data: </a:t>
+            </a:r>
+            <a:r>
+              <a:rPr lang="en-US" dirty="0"/>
+              <a:t>common set of requirements, such as </a:t>
             </a:r>
             <a:r>
               <a:rPr lang="en-US" b="1" dirty="0"/>
@@ -14052,14 +14060,35 @@
             <a:pPr lvl="1"/>
             <a:r>
               <a:rPr lang="en-US" dirty="0"/>
-              <a:t>Supports versioning, PID assignment, CV / metadata checks (not full QA/QC)</a:t>
-            </a:r>
+              <a:t>Supports versioning, PID assignment, CV / metadata </a:t>
+            </a:r>
+            <a:r>
+              <a:rPr lang="en-US" dirty="0" smtClean="0"/>
+              <a:t>checks, not </a:t>
+            </a:r>
+            <a:r>
+              <a:rPr lang="en-US" dirty="0"/>
+              <a:t>full </a:t>
+            </a:r>
+            <a:r>
+              <a:rPr lang="en-US" dirty="0" smtClean="0"/>
+              <a:t>QA/QC; CMIP6 project</a:t>
+            </a:r>
+            <a:endParaRPr lang="en-US" dirty="0"/>
           </a:p>
           <a:p>
             <a:pPr lvl="1"/>
             <a:r>
               <a:rPr lang="en-US" dirty="0"/>
-              <a:t>Service-based approaches to publishing are in prototype </a:t>
+              <a:t>Service-based approaches to publishing </a:t>
+            </a:r>
+            <a:r>
+              <a:rPr lang="en-US" dirty="0" smtClean="0"/>
+              <a:t>in </a:t>
+            </a:r>
+            <a:r>
+              <a:rPr lang="en-US" dirty="0"/>
+              <a:t>prototype </a:t>
             </a:r>
           </a:p>
           <a:p>
@@ -14412,7 +14441,19 @@
             </a:r>
             <a:r>
               <a:rPr lang="en-US" dirty="0"/>
-              <a:t> (PCMDI) data check tool integrated into the publisher for CMIP6 only</a:t>
+              <a:t> (PCMDI) data check tool integrated into </a:t>
+            </a:r>
+            <a:r>
+              <a:rPr lang="en-US" dirty="0" err="1" smtClean="0"/>
+              <a:t>esg</a:t>
+            </a:r>
+            <a:r>
+              <a:rPr lang="en-US" dirty="0" smtClean="0"/>
+              <a:t>-publisher </a:t>
+            </a:r>
+            <a:r>
+              <a:rPr lang="en-US" dirty="0"/>
+              <a:t>for CMIP6 only</a:t>
             </a:r>
           </a:p>
           <a:p>
@@ -14467,42 +14508,6 @@
           </a:prstGeom>
         </p:spPr>
       </p:pic>
-      <p:cxnSp>
-        <p:nvCxnSpPr>
-          <p:cNvPr id="10" name="Straight Arrow Connector 9"/>
-          <p:cNvCxnSpPr/>
-          <p:nvPr/>
-        </p:nvCxnSpPr>
-        <p:spPr>
-          <a:xfrm>
-            <a:off x="6760585" y="1128130"/>
-            <a:ext cx="1182517" cy="577193"/>
-          </a:xfrm>
-          <a:prstGeom prst="straightConnector1">
-            <a:avLst/>
-          </a:prstGeom>
-          <a:ln w="28575">
-            <a:solidFill>
-              <a:srgbClr val="002060"/>
-            </a:solidFill>
-            <a:tailEnd type="triangle"/>
-          </a:ln>
-        </p:spPr>
-        <p:style>
-          <a:lnRef idx="1">
-            <a:schemeClr val="accent1"/>
-          </a:lnRef>
-          <a:fillRef idx="0">
-            <a:schemeClr val="accent1"/>
-          </a:fillRef>
-          <a:effectRef idx="0">
-            <a:schemeClr val="accent1"/>
-          </a:effectRef>
-          <a:fontRef idx="minor">
-            <a:schemeClr val="tx1"/>
-          </a:fontRef>
-        </p:style>
-      </p:cxnSp>
     </p:spTree>
     <p:extLst>
       <p:ext uri="{BB962C8B-B14F-4D97-AF65-F5344CB8AC3E}">
@@ -14597,7 +14602,7 @@
         </p:spPr>
         <p:txBody>
           <a:bodyPr>
-            <a:normAutofit fontScale="77500" lnSpcReduction="20000"/>
+            <a:normAutofit fontScale="85000" lnSpcReduction="20000"/>
           </a:bodyPr>
           <a:lstStyle/>
           <a:p>
@@ -14636,7 +14641,15 @@
             </a:r>
             <a:r>
               <a:rPr lang="en-US" dirty="0"/>
-              <a:t>GUI-based has been in used infrequently for ACME</a:t>
+              <a:t>GUI-based has been </a:t>
+            </a:r>
+            <a:r>
+              <a:rPr lang="en-US" dirty="0" smtClean="0"/>
+              <a:t>used </a:t>
+            </a:r>
+            <a:r>
+              <a:rPr lang="en-US" dirty="0"/>
+              <a:t>infrequently for ACME</a:t>
             </a:r>
           </a:p>
           <a:p>
@@ -14657,7 +14670,15 @@
           <a:p>
             <a:r>
               <a:rPr lang="en-US" dirty="0"/>
-              <a:t>Different requirements but same publisher as the bulk-data publication</a:t>
+              <a:t>Different requirements but same publisher as </a:t>
+            </a:r>
+            <a:r>
+              <a:rPr lang="en-US" dirty="0" smtClean="0"/>
+              <a:t>bulk-data </a:t>
+            </a:r>
+            <a:r>
+              <a:rPr lang="en-US" dirty="0"/>
+              <a:t>publication</a:t>
             </a:r>
           </a:p>
           <a:p>
@@ -14911,8 +14932,24 @@
             </a:r>
             <a:r>
               <a:rPr lang="en-US" dirty="0"/>
-              <a:t>make use of a third-party implementation of a well known protocol (my first choice is RAFT). </a:t>
-            </a:r>
+              <a:t>make use of a third-party implementation of a well known </a:t>
+            </a:r>
+            <a:r>
+              <a:rPr lang="en-US" dirty="0" smtClean="0"/>
+              <a:t>protocol </a:t>
+            </a:r>
+          </a:p>
+          <a:p>
+            <a:pPr lvl="1"/>
+            <a:r>
+              <a:rPr lang="en-US" dirty="0" smtClean="0"/>
+              <a:t>First choice: </a:t>
+            </a:r>
+            <a:r>
+              <a:rPr lang="en-US" b="1" dirty="0" smtClean="0"/>
+              <a:t>RAFT</a:t>
+            </a:r>
+            <a:endParaRPr lang="en-US" b="1" dirty="0"/>
           </a:p>
           <a:p>
             <a:r>
@@ -14928,7 +14965,15 @@
             </a:r>
             <a:r>
               <a:rPr lang="en-US" dirty="0"/>
-              <a:t>for credential sharing extended to metadata updates and node state propagation – this prevents unauthorized server access and information spreading</a:t>
+              <a:t>for credential sharing extended to metadata updates and node state propagation – </a:t>
+            </a:r>
+            <a:r>
+              <a:rPr lang="en-US" dirty="0" smtClean="0"/>
+              <a:t>prevents </a:t>
+            </a:r>
+            <a:r>
+              <a:rPr lang="en-US" dirty="0"/>
+              <a:t>unauthorized server access and information spreading</a:t>
             </a:r>
           </a:p>
           <a:p>
